--- a/135/slides/ch01/ch01_sec_1_6.pptx
+++ b/135/slides/ch01/ch01_sec_1_6.pptx
@@ -3900,6 +3900,111 @@
           </a:p>
         </p:txBody>
       </p:sp>
+      <p:sp>
+        <p:nvSpPr>
+          <p:cNvPr id="2" name="Rounded Rectangle 1">
+            <a:extLst>
+              <a:ext uri="{FF2B5EF4-FFF2-40B4-BE49-F238E27FC236}">
+                <a16:creationId xmlns:a16="http://schemas.microsoft.com/office/drawing/2014/main" id="{418E22CC-E9BE-CE4B-ADA9-7D1625638462}"/>
+              </a:ext>
+            </a:extLst>
+          </p:cNvPr>
+          <p:cNvSpPr/>
+          <p:nvPr/>
+        </p:nvSpPr>
+        <p:spPr bwMode="auto">
+          <a:xfrm>
+            <a:off x="5029198" y="152400"/>
+            <a:ext cx="4038602" cy="3674533"/>
+          </a:xfrm>
+          <a:prstGeom prst="roundRect">
+            <a:avLst/>
+          </a:prstGeom>
+          <a:solidFill>
+            <a:schemeClr val="accent1"/>
+          </a:solidFill>
+          <a:ln w="9525" cap="flat" cmpd="sng" algn="ctr">
+            <a:solidFill>
+              <a:schemeClr val="tx1"/>
+            </a:solidFill>
+            <a:prstDash val="solid"/>
+            <a:round/>
+            <a:headEnd type="none" w="med" len="med"/>
+            <a:tailEnd type="none" w="med" len="med"/>
+          </a:ln>
+          <a:effectLst/>
+        </p:spPr>
+        <p:txBody>
+          <a:bodyPr vert="horz" wrap="square" lIns="91440" tIns="45720" rIns="91440" bIns="45720" numCol="1" rtlCol="0" anchor="t" anchorCtr="0" compatLnSpc="1">
+            <a:prstTxWarp prst="textNoShape">
+              <a:avLst/>
+            </a:prstTxWarp>
+          </a:bodyPr>
+          <a:lstStyle/>
+          <a:p>
+            <a:pPr marL="342900" marR="0" indent="-342900" algn="l" defTabSz="914400" rtl="0" eaLnBrk="1" fontAlgn="base" latinLnBrk="0" hangingPunct="1">
+              <a:lnSpc>
+                <a:spcPct val="100000"/>
+              </a:lnSpc>
+              <a:spcBef>
+                <a:spcPct val="0"/>
+              </a:spcBef>
+              <a:spcAft>
+                <a:spcPct val="0"/>
+              </a:spcAft>
+              <a:buClrTx/>
+              <a:buSzTx/>
+              <a:buFont typeface="Arial" panose="020B0604020202020204" pitchFamily="34" charset="0"/>
+              <a:buChar char="•"/>
+              <a:tabLst/>
+            </a:pPr>
+            <a:r>
+              <a:rPr lang="en-US" dirty="0"/>
+              <a:t>A project is like a company, and main is like the CEO of that company.</a:t>
+            </a:r>
+          </a:p>
+          <a:p>
+            <a:pPr marL="342900" indent="-342900">
+              <a:buFont typeface="Arial" panose="020B0604020202020204" pitchFamily="34" charset="0"/>
+              <a:buChar char="•"/>
+            </a:pPr>
+            <a:r>
+              <a:rPr lang="en-US" dirty="0"/>
+              <a:t>Method main is the entry point of a </a:t>
+            </a:r>
+            <a:r>
+              <a:rPr lang="en-US" dirty="0" err="1"/>
+              <a:t>c++</a:t>
+            </a:r>
+            <a:r>
+              <a:rPr lang="en-US" dirty="0"/>
+              <a:t> project. </a:t>
+            </a:r>
+          </a:p>
+          <a:p>
+            <a:pPr marL="342900" marR="0" indent="-342900" algn="l" defTabSz="914400" rtl="0" eaLnBrk="1" fontAlgn="base" latinLnBrk="0" hangingPunct="1">
+              <a:lnSpc>
+                <a:spcPct val="100000"/>
+              </a:lnSpc>
+              <a:spcBef>
+                <a:spcPct val="0"/>
+              </a:spcBef>
+              <a:spcAft>
+                <a:spcPct val="0"/>
+              </a:spcAft>
+              <a:buClrTx/>
+              <a:buSzTx/>
+              <a:buFont typeface="Arial" panose="020B0604020202020204" pitchFamily="34" charset="0"/>
+              <a:buChar char="•"/>
+              <a:tabLst/>
+            </a:pPr>
+            <a:r>
+              <a:rPr lang="en-US" dirty="0"/>
+              <a:t>When a program runs, it starts from the first statement of main method. </a:t>
+            </a:r>
+          </a:p>
+        </p:txBody>
+      </p:sp>
     </p:spTree>
   </p:cSld>
   <p:clrMapOvr>
@@ -5119,7 +5224,7 @@
               <a:rPr lang="en-US" altLang="en-US" sz="2400" b="0" i="0" dirty="0">
                 <a:latin typeface="Arial" panose="020B0604020202020204" pitchFamily="34" charset="0"/>
               </a:rPr>
-              <a:t>Suppose you (accidentally of course) wrote:</a:t>
+              <a:t>Suppose you wrote:</a:t>
             </a:r>
           </a:p>
           <a:p>
@@ -5510,7 +5615,7 @@
             <a:pPr eaLnBrk="1" hangingPunct="1"/>
             <a:r>
               <a:rPr lang="en-US" altLang="en-US" sz="2400" dirty="0"/>
-              <a:t>The compiler will not stop compiling, and will most likely list lots and lots of errors that are caused by the first one it encountered.</a:t>
+              <a:t>The compiler will not stop compiling and will most likely list lots and lots of errors that are caused by the first one it encountered.</a:t>
             </a:r>
           </a:p>
           <a:p>
@@ -6194,9 +6299,6 @@
             <a:br>
               <a:rPr lang="en-US" altLang="en-US" sz="2400" dirty="0"/>
             </a:br>
-            <a:br>
-              <a:rPr lang="en-US" altLang="en-US" sz="2400" dirty="0"/>
-            </a:br>
             <a:r>
               <a:rPr lang="en-US" altLang="en-US" sz="900" dirty="0"/>
               <a:t> </a:t>
@@ -6225,11 +6327,6 @@
               </a:rPr>
               <a:t>;</a:t>
             </a:r>
-            <a:br>
-              <a:rPr lang="en-US" altLang="en-US" sz="2400" b="1" dirty="0">
-                <a:latin typeface="Courier New" panose="02070309020205020404" pitchFamily="49" charset="0"/>
-              </a:rPr>
-            </a:br>
             <a:br>
               <a:rPr lang="en-US" altLang="en-US" sz="2400" b="1" dirty="0">
                 <a:latin typeface="Courier New" panose="02070309020205020404" pitchFamily="49" charset="0"/>
@@ -6247,23 +6344,34 @@
             </a:r>
             <a:r>
               <a:rPr lang="en-US" altLang="en-US" sz="2400" dirty="0"/>
-              <a:t> or </a:t>
-            </a:r>
-            <a:r>
-              <a:rPr lang="en-US" altLang="en-US" sz="2400" i="1" dirty="0"/>
-              <a:t>run-time errors</a:t>
-            </a:r>
-            <a:r>
-              <a:rPr lang="en-US" altLang="en-US" sz="2400" dirty="0"/>
-              <a:t> are errors in a program that compiles (the syntax is correct), but executes without performing the intended action.</a:t>
-            </a:r>
+              <a:t> or run time errors are errors in a program that compiles (the syntax is correct) but executes without performing the intended action.</a:t>
+            </a:r>
+          </a:p>
+          <a:p>
+            <a:pPr lvl="1" eaLnBrk="1" hangingPunct="1"/>
+            <a:r>
+              <a:rPr lang="en-US" altLang="en-US" sz="2000" dirty="0"/>
+              <a:t>Another example, to calculate Miles Per Gallon (MPG), divide miles by gallons (suppose drive 100 miles using 5 gallons, then MPG is 100 / 5 = 20, </a:t>
+            </a:r>
+            <a:r>
+              <a:rPr lang="en-US" altLang="en-US" sz="2000" dirty="0" err="1"/>
+              <a:t>ie</a:t>
+            </a:r>
+            <a:r>
+              <a:rPr lang="en-US" altLang="en-US" sz="2000" dirty="0"/>
+              <a:t>, drive 5 miles per gallon). </a:t>
+            </a:r>
+          </a:p>
+          <a:p>
+            <a:pPr lvl="1" eaLnBrk="1" hangingPunct="1"/>
+            <a:r>
+              <a:rPr lang="en-US" altLang="en-US" sz="2000" dirty="0"/>
+              <a:t>Calculate MPG by dividing gallons by miles is a logic errors. </a:t>
+            </a:r>
+            <a:endParaRPr lang="en-US" altLang="en-US" sz="2400" dirty="0"/>
           </a:p>
           <a:p>
             <a:pPr eaLnBrk="1" hangingPunct="1"/>
-            <a:endParaRPr lang="en-US" altLang="en-US" sz="2400" dirty="0"/>
-          </a:p>
-          <a:p>
-            <a:pPr eaLnBrk="1" hangingPunct="1"/>
             <a:r>
               <a:rPr lang="en-US" altLang="en-US" sz="2400" i="1" dirty="0">
                 <a:solidFill>
@@ -6281,7 +6389,7 @@
                   <a:srgbClr val="FF0000"/>
                 </a:solidFill>
               </a:rPr>
-              <a:t>Testing and repairing a program usually takes more time than writing it in the first place, but is essential !</a:t>
+              <a:t>Testing and repairing a program usually takes more time than writing it in the first place, however, it is essential !</a:t>
             </a:r>
             <a:br>
               <a:rPr lang="en-US" altLang="en-US" sz="2000" dirty="0"/>
